--- a/Documents/FinalPresentation.pptx
+++ b/Documents/FinalPresentation.pptx
@@ -11,10 +11,8 @@
     <p:sldId id="259" r:id="rId5"/>
     <p:sldId id="260" r:id="rId6"/>
     <p:sldId id="266" r:id="rId7"/>
-    <p:sldId id="267" r:id="rId8"/>
-    <p:sldId id="268" r:id="rId9"/>
-    <p:sldId id="264" r:id="rId10"/>
-    <p:sldId id="265" r:id="rId11"/>
+    <p:sldId id="264" r:id="rId8"/>
+    <p:sldId id="267" r:id="rId9"/>
   </p:sldIdLst>
   <p:sldSz cx="12192000" cy="6858000"/>
   <p:notesSz cx="6858000" cy="9144000"/>
@@ -113,6 +111,11 @@
       </a:defRPr>
     </a:lvl9pPr>
   </p:defaultTextStyle>
+  <p:extLst>
+    <p:ext uri="{EFAFB233-063F-42B5-8137-9DF3F51BA10A}">
+      <p15:sldGuideLst xmlns:p15="http://schemas.microsoft.com/office/powerpoint/2012/main"/>
+    </p:ext>
+  </p:extLst>
 </p:presentation>
 </file>
 
@@ -272,7 +275,7 @@
           <a:p>
             <a:fld id="{6444479B-705B-4489-957E-7E8A228BDFA0}" type="datetime1">
               <a:rPr lang="en-US" smtClean="0"/>
-              <a:t>4/26/25</a:t>
+              <a:t>4/28/25</a:t>
             </a:fld>
             <a:endParaRPr lang="en-US"/>
           </a:p>
@@ -472,7 +475,7 @@
           <a:p>
             <a:fld id="{C07B66AD-7C08-490A-ADA4-B47E10FB2407}" type="datetime1">
               <a:rPr lang="en-US" smtClean="0"/>
-              <a:t>4/26/25</a:t>
+              <a:t>4/28/25</a:t>
             </a:fld>
             <a:endParaRPr lang="en-US"/>
           </a:p>
@@ -731,7 +734,7 @@
           <a:p>
             <a:fld id="{05B95027-4255-49E7-9841-CD21BCC99996}" type="datetime1">
               <a:rPr lang="en-US" smtClean="0"/>
-              <a:t>4/26/25</a:t>
+              <a:t>4/28/25</a:t>
             </a:fld>
             <a:endParaRPr lang="en-US"/>
           </a:p>
@@ -972,7 +975,7 @@
           <a:p>
             <a:fld id="{9F89F774-3FA6-43B8-9241-99959C8FD463}" type="datetime1">
               <a:rPr lang="en-US" smtClean="0"/>
-              <a:t>4/26/25</a:t>
+              <a:t>4/28/25</a:t>
             </a:fld>
             <a:endParaRPr lang="en-US"/>
           </a:p>
@@ -1299,7 +1302,7 @@
           <a:p>
             <a:fld id="{F9504452-5DCC-4FE2-A5C9-8A5EF6714D65}" type="datetime1">
               <a:rPr lang="en-US" smtClean="0"/>
-              <a:t>4/26/25</a:t>
+              <a:t>4/28/25</a:t>
             </a:fld>
             <a:endParaRPr lang="en-US"/>
           </a:p>
@@ -1609,7 +1612,7 @@
           <a:p>
             <a:fld id="{E579ABC2-0180-4F3A-A895-A85BC724D472}" type="datetime1">
               <a:rPr lang="en-US" smtClean="0"/>
-              <a:t>4/26/25</a:t>
+              <a:t>4/28/25</a:t>
             </a:fld>
             <a:endParaRPr lang="en-US"/>
           </a:p>
@@ -2027,7 +2030,7 @@
           <a:p>
             <a:fld id="{6AEEA9BA-4E8F-439E-BEA4-91FBA01E3F5F}" type="datetime1">
               <a:rPr lang="en-US" smtClean="0"/>
-              <a:t>4/26/25</a:t>
+              <a:t>4/28/25</a:t>
             </a:fld>
             <a:endParaRPr lang="en-US"/>
           </a:p>
@@ -2169,7 +2172,7 @@
           <a:p>
             <a:fld id="{BE15BF18-0007-481C-AA29-413124BC3EE7}" type="datetime1">
               <a:rPr lang="en-US" smtClean="0"/>
-              <a:t>4/26/25</a:t>
+              <a:t>4/28/25</a:t>
             </a:fld>
             <a:endParaRPr lang="en-US"/>
           </a:p>
@@ -2331,7 +2334,7 @@
           <a:p>
             <a:fld id="{09BE9870-3748-43AD-B547-02A075CB4A1D}" type="datetime1">
               <a:rPr lang="en-US" smtClean="0"/>
-              <a:t>4/26/25</a:t>
+              <a:t>4/28/25</a:t>
             </a:fld>
             <a:endParaRPr lang="en-US"/>
           </a:p>
@@ -2648,7 +2651,7 @@
           <a:p>
             <a:fld id="{558E7897-33C5-4F1A-9307-D068E37F3DC7}" type="datetime1">
               <a:rPr lang="en-US" smtClean="0"/>
-              <a:t>4/26/25</a:t>
+              <a:t>4/28/25</a:t>
             </a:fld>
             <a:endParaRPr lang="en-US"/>
           </a:p>
@@ -2943,7 +2946,7 @@
           <a:p>
             <a:fld id="{82E171BA-CC09-47C8-A6DF-F5C5CB59CEEC}" type="datetime1">
               <a:rPr lang="en-US" smtClean="0"/>
-              <a:t>4/26/25</a:t>
+              <a:t>4/28/25</a:t>
             </a:fld>
             <a:endParaRPr lang="en-US"/>
           </a:p>
@@ -3184,7 +3187,7 @@
           <a:p>
             <a:fld id="{7DA38F49-B3E2-4BF0-BEC7-C30D34ABBB8D}" type="datetime1">
               <a:rPr lang="en-US" smtClean="0"/>
-              <a:t>4/26/25</a:t>
+              <a:t>4/28/25</a:t>
             </a:fld>
             <a:endParaRPr lang="en-US"/>
           </a:p>
@@ -3972,92 +3975,6 @@
 </p:sld>
 </file>
 
-<file path=ppt/slides/slide10.xml><?xml version="1.0" encoding="utf-8"?>
-<p:sld xmlns:a="http://schemas.openxmlformats.org/drawingml/2006/main" xmlns:r="http://schemas.openxmlformats.org/officeDocument/2006/relationships" xmlns:p="http://schemas.openxmlformats.org/presentationml/2006/main">
-  <p:cSld>
-    <p:spTree>
-      <p:nvGrpSpPr>
-        <p:cNvPr id="1" name="">
-          <a:extLst>
-            <a:ext uri="{FF2B5EF4-FFF2-40B4-BE49-F238E27FC236}">
-              <a16:creationId xmlns:a16="http://schemas.microsoft.com/office/drawing/2014/main" id="{15F3193A-8729-2116-2986-53DE965C3BC1}"/>
-            </a:ext>
-          </a:extLst>
-        </p:cNvPr>
-        <p:cNvGrpSpPr/>
-        <p:nvPr/>
-      </p:nvGrpSpPr>
-      <p:grpSpPr>
-        <a:xfrm>
-          <a:off x="0" y="0"/>
-          <a:ext cx="0" cy="0"/>
-          <a:chOff x="0" y="0"/>
-          <a:chExt cx="0" cy="0"/>
-        </a:xfrm>
-      </p:grpSpPr>
-      <p:sp>
-        <p:nvSpPr>
-          <p:cNvPr id="2" name="Title 1">
-            <a:extLst>
-              <a:ext uri="{FF2B5EF4-FFF2-40B4-BE49-F238E27FC236}">
-                <a16:creationId xmlns:a16="http://schemas.microsoft.com/office/drawing/2014/main" id="{F66AC15E-C618-51E0-C0F9-8C005973E91D}"/>
-              </a:ext>
-            </a:extLst>
-          </p:cNvPr>
-          <p:cNvSpPr>
-            <a:spLocks noGrp="1"/>
-          </p:cNvSpPr>
-          <p:nvPr>
-            <p:ph type="title"/>
-          </p:nvPr>
-        </p:nvSpPr>
-        <p:spPr/>
-        <p:txBody>
-          <a:bodyPr/>
-          <a:lstStyle/>
-          <a:p>
-            <a:endParaRPr lang="en-US"/>
-          </a:p>
-        </p:txBody>
-      </p:sp>
-      <p:sp>
-        <p:nvSpPr>
-          <p:cNvPr id="3" name="Content Placeholder 2">
-            <a:extLst>
-              <a:ext uri="{FF2B5EF4-FFF2-40B4-BE49-F238E27FC236}">
-                <a16:creationId xmlns:a16="http://schemas.microsoft.com/office/drawing/2014/main" id="{99037433-4107-E73F-D265-0418227F8E10}"/>
-              </a:ext>
-            </a:extLst>
-          </p:cNvPr>
-          <p:cNvSpPr>
-            <a:spLocks noGrp="1"/>
-          </p:cNvSpPr>
-          <p:nvPr>
-            <p:ph idx="1"/>
-          </p:nvPr>
-        </p:nvSpPr>
-        <p:spPr/>
-        <p:txBody>
-          <a:bodyPr/>
-          <a:lstStyle/>
-          <a:p>
-            <a:endParaRPr lang="en-US"/>
-          </a:p>
-        </p:txBody>
-      </p:sp>
-    </p:spTree>
-    <p:extLst>
-      <p:ext uri="{BB962C8B-B14F-4D97-AF65-F5344CB8AC3E}">
-        <p14:creationId xmlns:p14="http://schemas.microsoft.com/office/powerpoint/2010/main" val="1973628045"/>
-      </p:ext>
-    </p:extLst>
-  </p:cSld>
-  <p:clrMapOvr>
-    <a:masterClrMapping/>
-  </p:clrMapOvr>
-</p:sld>
-</file>
-
 <file path=ppt/slides/slide2.xml><?xml version="1.0" encoding="utf-8"?>
 <p:sld xmlns:a="http://schemas.openxmlformats.org/drawingml/2006/main" xmlns:r="http://schemas.openxmlformats.org/officeDocument/2006/relationships" xmlns:p="http://schemas.openxmlformats.org/presentationml/2006/main">
   <p:cSld>
@@ -4508,7 +4425,7 @@
           <a:p>
             <a:r>
               <a:rPr lang="en-US" dirty="0"/>
-              <a:t>Solution</a:t>
+              <a:t>Solution: Auto Chess Environment</a:t>
             </a:r>
           </a:p>
         </p:txBody>
@@ -4534,7 +4451,36 @@
           <a:bodyPr/>
           <a:lstStyle/>
           <a:p>
-            <a:endParaRPr lang="en-US"/>
+            <a:r>
+              <a:rPr lang="en-US" dirty="0"/>
+              <a:t>Created a custom Gym environment to replicate Auto Chess</a:t>
+            </a:r>
+          </a:p>
+          <a:p>
+            <a:r>
+              <a:rPr lang="en-US" dirty="0"/>
+              <a:t>Action space</a:t>
+            </a:r>
+          </a:p>
+          <a:p>
+            <a:pPr lvl="1"/>
+            <a:r>
+              <a:rPr lang="en-US" dirty="0"/>
+              <a:t>10 discrete actions (buy, sell, move, etc.)</a:t>
+            </a:r>
+          </a:p>
+          <a:p>
+            <a:r>
+              <a:rPr lang="en-US" dirty="0"/>
+              <a:t>Observation space</a:t>
+            </a:r>
+          </a:p>
+          <a:p>
+            <a:pPr lvl="1"/>
+            <a:r>
+              <a:rPr lang="en-US" dirty="0"/>
+              <a:t>(Gold, HP, units, etc.)</a:t>
+            </a:r>
           </a:p>
         </p:txBody>
       </p:sp>
@@ -4597,7 +4543,7 @@
           <a:p>
             <a:r>
               <a:rPr lang="en-US" dirty="0"/>
-              <a:t>Solution</a:t>
+              <a:t>Solution: Deep Q-Network</a:t>
             </a:r>
           </a:p>
         </p:txBody>
@@ -4623,7 +4569,44 @@
           <a:bodyPr/>
           <a:lstStyle/>
           <a:p>
-            <a:endParaRPr lang="en-US"/>
+            <a:r>
+              <a:rPr lang="en-US" dirty="0"/>
+              <a:t>Model</a:t>
+            </a:r>
+          </a:p>
+          <a:p>
+            <a:pPr lvl="1"/>
+            <a:r>
+              <a:rPr lang="en-US" dirty="0"/>
+              <a:t>Embedded layers to best capture the units/environment</a:t>
+            </a:r>
+          </a:p>
+          <a:p>
+            <a:pPr lvl="1"/>
+            <a:r>
+              <a:rPr lang="en-US" dirty="0"/>
+              <a:t>Final output predicts optimal action for the agent to take</a:t>
+            </a:r>
+          </a:p>
+          <a:p>
+            <a:r>
+              <a:rPr lang="en-US" dirty="0"/>
+              <a:t>Training Loop</a:t>
+            </a:r>
+          </a:p>
+          <a:p>
+            <a:pPr lvl="1"/>
+            <a:r>
+              <a:rPr lang="en-US" dirty="0"/>
+              <a:t>Epsilon-greedy exploration</a:t>
+            </a:r>
+          </a:p>
+          <a:p>
+            <a:pPr lvl="1"/>
+            <a:r>
+              <a:rPr lang="en-US" dirty="0"/>
+              <a:t>Finalizing our reward function</a:t>
+            </a:r>
           </a:p>
         </p:txBody>
       </p:sp>
@@ -4641,184 +4624,6 @@
 </file>
 
 <file path=ppt/slides/slide7.xml><?xml version="1.0" encoding="utf-8"?>
-<p:sld xmlns:a="http://schemas.openxmlformats.org/drawingml/2006/main" xmlns:r="http://schemas.openxmlformats.org/officeDocument/2006/relationships" xmlns:p="http://schemas.openxmlformats.org/presentationml/2006/main">
-  <p:cSld>
-    <p:spTree>
-      <p:nvGrpSpPr>
-        <p:cNvPr id="1" name="">
-          <a:extLst>
-            <a:ext uri="{FF2B5EF4-FFF2-40B4-BE49-F238E27FC236}">
-              <a16:creationId xmlns:a16="http://schemas.microsoft.com/office/drawing/2014/main" id="{CD498DA8-2E15-44C6-3A0F-A74DECE5E26E}"/>
-            </a:ext>
-          </a:extLst>
-        </p:cNvPr>
-        <p:cNvGrpSpPr/>
-        <p:nvPr/>
-      </p:nvGrpSpPr>
-      <p:grpSpPr>
-        <a:xfrm>
-          <a:off x="0" y="0"/>
-          <a:ext cx="0" cy="0"/>
-          <a:chOff x="0" y="0"/>
-          <a:chExt cx="0" cy="0"/>
-        </a:xfrm>
-      </p:grpSpPr>
-      <p:sp>
-        <p:nvSpPr>
-          <p:cNvPr id="2" name="Title 1">
-            <a:extLst>
-              <a:ext uri="{FF2B5EF4-FFF2-40B4-BE49-F238E27FC236}">
-                <a16:creationId xmlns:a16="http://schemas.microsoft.com/office/drawing/2014/main" id="{9D585A62-3D04-B990-38B8-1B3F52F3F0D5}"/>
-              </a:ext>
-            </a:extLst>
-          </p:cNvPr>
-          <p:cNvSpPr>
-            <a:spLocks noGrp="1"/>
-          </p:cNvSpPr>
-          <p:nvPr>
-            <p:ph type="title"/>
-          </p:nvPr>
-        </p:nvSpPr>
-        <p:spPr/>
-        <p:txBody>
-          <a:bodyPr/>
-          <a:lstStyle/>
-          <a:p>
-            <a:r>
-              <a:rPr lang="en-US" dirty="0"/>
-              <a:t>Solution</a:t>
-            </a:r>
-          </a:p>
-        </p:txBody>
-      </p:sp>
-      <p:sp>
-        <p:nvSpPr>
-          <p:cNvPr id="3" name="Content Placeholder 2">
-            <a:extLst>
-              <a:ext uri="{FF2B5EF4-FFF2-40B4-BE49-F238E27FC236}">
-                <a16:creationId xmlns:a16="http://schemas.microsoft.com/office/drawing/2014/main" id="{A5340846-D031-9F87-7268-0AC4802C696D}"/>
-              </a:ext>
-            </a:extLst>
-          </p:cNvPr>
-          <p:cNvSpPr>
-            <a:spLocks noGrp="1"/>
-          </p:cNvSpPr>
-          <p:nvPr>
-            <p:ph idx="1"/>
-          </p:nvPr>
-        </p:nvSpPr>
-        <p:spPr/>
-        <p:txBody>
-          <a:bodyPr/>
-          <a:lstStyle/>
-          <a:p>
-            <a:endParaRPr lang="en-US"/>
-          </a:p>
-        </p:txBody>
-      </p:sp>
-    </p:spTree>
-    <p:extLst>
-      <p:ext uri="{BB962C8B-B14F-4D97-AF65-F5344CB8AC3E}">
-        <p14:creationId xmlns:p14="http://schemas.microsoft.com/office/powerpoint/2010/main" val="2891059009"/>
-      </p:ext>
-    </p:extLst>
-  </p:cSld>
-  <p:clrMapOvr>
-    <a:masterClrMapping/>
-  </p:clrMapOvr>
-</p:sld>
-</file>
-
-<file path=ppt/slides/slide8.xml><?xml version="1.0" encoding="utf-8"?>
-<p:sld xmlns:a="http://schemas.openxmlformats.org/drawingml/2006/main" xmlns:r="http://schemas.openxmlformats.org/officeDocument/2006/relationships" xmlns:p="http://schemas.openxmlformats.org/presentationml/2006/main">
-  <p:cSld>
-    <p:spTree>
-      <p:nvGrpSpPr>
-        <p:cNvPr id="1" name="">
-          <a:extLst>
-            <a:ext uri="{FF2B5EF4-FFF2-40B4-BE49-F238E27FC236}">
-              <a16:creationId xmlns:a16="http://schemas.microsoft.com/office/drawing/2014/main" id="{5BB9BFE1-D5B9-9D8C-77DD-56AC37D55E6B}"/>
-            </a:ext>
-          </a:extLst>
-        </p:cNvPr>
-        <p:cNvGrpSpPr/>
-        <p:nvPr/>
-      </p:nvGrpSpPr>
-      <p:grpSpPr>
-        <a:xfrm>
-          <a:off x="0" y="0"/>
-          <a:ext cx="0" cy="0"/>
-          <a:chOff x="0" y="0"/>
-          <a:chExt cx="0" cy="0"/>
-        </a:xfrm>
-      </p:grpSpPr>
-      <p:sp>
-        <p:nvSpPr>
-          <p:cNvPr id="2" name="Title 1">
-            <a:extLst>
-              <a:ext uri="{FF2B5EF4-FFF2-40B4-BE49-F238E27FC236}">
-                <a16:creationId xmlns:a16="http://schemas.microsoft.com/office/drawing/2014/main" id="{FFF13315-6D71-585A-DEA8-3AF3794D8C31}"/>
-              </a:ext>
-            </a:extLst>
-          </p:cNvPr>
-          <p:cNvSpPr>
-            <a:spLocks noGrp="1"/>
-          </p:cNvSpPr>
-          <p:nvPr>
-            <p:ph type="title"/>
-          </p:nvPr>
-        </p:nvSpPr>
-        <p:spPr/>
-        <p:txBody>
-          <a:bodyPr/>
-          <a:lstStyle/>
-          <a:p>
-            <a:r>
-              <a:rPr lang="en-US" dirty="0"/>
-              <a:t>Solution</a:t>
-            </a:r>
-          </a:p>
-        </p:txBody>
-      </p:sp>
-      <p:sp>
-        <p:nvSpPr>
-          <p:cNvPr id="3" name="Content Placeholder 2">
-            <a:extLst>
-              <a:ext uri="{FF2B5EF4-FFF2-40B4-BE49-F238E27FC236}">
-                <a16:creationId xmlns:a16="http://schemas.microsoft.com/office/drawing/2014/main" id="{5A191596-4883-7685-9321-449299288167}"/>
-              </a:ext>
-            </a:extLst>
-          </p:cNvPr>
-          <p:cNvSpPr>
-            <a:spLocks noGrp="1"/>
-          </p:cNvSpPr>
-          <p:nvPr>
-            <p:ph idx="1"/>
-          </p:nvPr>
-        </p:nvSpPr>
-        <p:spPr/>
-        <p:txBody>
-          <a:bodyPr/>
-          <a:lstStyle/>
-          <a:p>
-            <a:endParaRPr lang="en-US"/>
-          </a:p>
-        </p:txBody>
-      </p:sp>
-    </p:spTree>
-    <p:extLst>
-      <p:ext uri="{BB962C8B-B14F-4D97-AF65-F5344CB8AC3E}">
-        <p14:creationId xmlns:p14="http://schemas.microsoft.com/office/powerpoint/2010/main" val="2083655083"/>
-      </p:ext>
-    </p:extLst>
-  </p:cSld>
-  <p:clrMapOvr>
-    <a:masterClrMapping/>
-  </p:clrMapOvr>
-</p:sld>
-</file>
-
-<file path=ppt/slides/slide9.xml><?xml version="1.0" encoding="utf-8"?>
 <p:sld xmlns:a="http://schemas.openxmlformats.org/drawingml/2006/main" xmlns:r="http://schemas.openxmlformats.org/officeDocument/2006/relationships" xmlns:p="http://schemas.openxmlformats.org/presentationml/2006/main">
   <p:cSld>
     <p:spTree>
@@ -4890,7 +4695,34 @@
           <a:bodyPr/>
           <a:lstStyle/>
           <a:p>
-            <a:endParaRPr lang="en-US"/>
+            <a:r>
+              <a:rPr lang="en-US" dirty="0"/>
+              <a:t>Successfully built an Auto Chess environment and a DQN agent that can interact with the environment</a:t>
+            </a:r>
+          </a:p>
+          <a:p>
+            <a:r>
+              <a:rPr lang="en-US" dirty="0"/>
+              <a:t>Future work</a:t>
+            </a:r>
+          </a:p>
+          <a:p>
+            <a:pPr lvl="1"/>
+            <a:r>
+              <a:rPr lang="en-US" dirty="0"/>
+              <a:t>Could add a visual emulator to visually simulate the game</a:t>
+            </a:r>
+          </a:p>
+          <a:p>
+            <a:pPr lvl="1"/>
+            <a:r>
+              <a:rPr lang="en-US" dirty="0"/>
+              <a:t>Increase game complexity to fully mirror the true Auto Chess game</a:t>
+            </a:r>
+          </a:p>
+          <a:p>
+            <a:pPr lvl="1"/>
+            <a:endParaRPr lang="en-US" dirty="0"/>
           </a:p>
         </p:txBody>
       </p:sp>
@@ -4898,6 +4730,72 @@
     <p:extLst>
       <p:ext uri="{BB962C8B-B14F-4D97-AF65-F5344CB8AC3E}">
         <p14:creationId xmlns:p14="http://schemas.microsoft.com/office/powerpoint/2010/main" val="3042549621"/>
+      </p:ext>
+    </p:extLst>
+  </p:cSld>
+  <p:clrMapOvr>
+    <a:masterClrMapping/>
+  </p:clrMapOvr>
+</p:sld>
+</file>
+
+<file path=ppt/slides/slide8.xml><?xml version="1.0" encoding="utf-8"?>
+<p:sld xmlns:a="http://schemas.openxmlformats.org/drawingml/2006/main" xmlns:r="http://schemas.openxmlformats.org/officeDocument/2006/relationships" xmlns:p="http://schemas.openxmlformats.org/presentationml/2006/main">
+  <p:cSld>
+    <p:spTree>
+      <p:nvGrpSpPr>
+        <p:cNvPr id="1" name=""/>
+        <p:cNvGrpSpPr/>
+        <p:nvPr/>
+      </p:nvGrpSpPr>
+      <p:grpSpPr>
+        <a:xfrm>
+          <a:off x="0" y="0"/>
+          <a:ext cx="0" cy="0"/>
+          <a:chOff x="0" y="0"/>
+          <a:chExt cx="0" cy="0"/>
+        </a:xfrm>
+      </p:grpSpPr>
+      <p:sp>
+        <p:nvSpPr>
+          <p:cNvPr id="2" name="Title 1">
+            <a:extLst>
+              <a:ext uri="{FF2B5EF4-FFF2-40B4-BE49-F238E27FC236}">
+                <a16:creationId xmlns:a16="http://schemas.microsoft.com/office/drawing/2014/main" id="{863C63C9-4FEF-2804-918C-B04A9B3D94CB}"/>
+              </a:ext>
+            </a:extLst>
+          </p:cNvPr>
+          <p:cNvSpPr>
+            <a:spLocks noGrp="1"/>
+          </p:cNvSpPr>
+          <p:nvPr>
+            <p:ph type="title"/>
+          </p:nvPr>
+        </p:nvSpPr>
+        <p:spPr>
+          <a:xfrm>
+            <a:off x="650535" y="2880360"/>
+            <a:ext cx="10890929" cy="1097280"/>
+          </a:xfrm>
+        </p:spPr>
+        <p:txBody>
+          <a:bodyPr>
+            <a:normAutofit/>
+          </a:bodyPr>
+          <a:lstStyle/>
+          <a:p>
+            <a:pPr algn="ctr"/>
+            <a:r>
+              <a:rPr lang="en-US" sz="5400" dirty="0"/>
+              <a:t>Thank you!</a:t>
+            </a:r>
+          </a:p>
+        </p:txBody>
+      </p:sp>
+    </p:spTree>
+    <p:extLst>
+      <p:ext uri="{BB962C8B-B14F-4D97-AF65-F5344CB8AC3E}">
+        <p14:creationId xmlns:p14="http://schemas.microsoft.com/office/powerpoint/2010/main" val="619924199"/>
       </p:ext>
     </p:extLst>
   </p:cSld>

--- a/Documents/FinalPresentation.pptx
+++ b/Documents/FinalPresentation.pptx
@@ -275,7 +275,7 @@
           <a:p>
             <a:fld id="{6444479B-705B-4489-957E-7E8A228BDFA0}" type="datetime1">
               <a:rPr lang="en-US" smtClean="0"/>
-              <a:t>4/28/25</a:t>
+              <a:t>4/29/2025</a:t>
             </a:fld>
             <a:endParaRPr lang="en-US"/>
           </a:p>
@@ -475,7 +475,7 @@
           <a:p>
             <a:fld id="{C07B66AD-7C08-490A-ADA4-B47E10FB2407}" type="datetime1">
               <a:rPr lang="en-US" smtClean="0"/>
-              <a:t>4/28/25</a:t>
+              <a:t>4/29/2025</a:t>
             </a:fld>
             <a:endParaRPr lang="en-US"/>
           </a:p>
@@ -734,7 +734,7 @@
           <a:p>
             <a:fld id="{05B95027-4255-49E7-9841-CD21BCC99996}" type="datetime1">
               <a:rPr lang="en-US" smtClean="0"/>
-              <a:t>4/28/25</a:t>
+              <a:t>4/29/2025</a:t>
             </a:fld>
             <a:endParaRPr lang="en-US"/>
           </a:p>
@@ -975,7 +975,7 @@
           <a:p>
             <a:fld id="{9F89F774-3FA6-43B8-9241-99959C8FD463}" type="datetime1">
               <a:rPr lang="en-US" smtClean="0"/>
-              <a:t>4/28/25</a:t>
+              <a:t>4/29/2025</a:t>
             </a:fld>
             <a:endParaRPr lang="en-US"/>
           </a:p>
@@ -1302,7 +1302,7 @@
           <a:p>
             <a:fld id="{F9504452-5DCC-4FE2-A5C9-8A5EF6714D65}" type="datetime1">
               <a:rPr lang="en-US" smtClean="0"/>
-              <a:t>4/28/25</a:t>
+              <a:t>4/29/2025</a:t>
             </a:fld>
             <a:endParaRPr lang="en-US"/>
           </a:p>
@@ -1612,7 +1612,7 @@
           <a:p>
             <a:fld id="{E579ABC2-0180-4F3A-A895-A85BC724D472}" type="datetime1">
               <a:rPr lang="en-US" smtClean="0"/>
-              <a:t>4/28/25</a:t>
+              <a:t>4/29/2025</a:t>
             </a:fld>
             <a:endParaRPr lang="en-US"/>
           </a:p>
@@ -2030,7 +2030,7 @@
           <a:p>
             <a:fld id="{6AEEA9BA-4E8F-439E-BEA4-91FBA01E3F5F}" type="datetime1">
               <a:rPr lang="en-US" smtClean="0"/>
-              <a:t>4/28/25</a:t>
+              <a:t>4/29/2025</a:t>
             </a:fld>
             <a:endParaRPr lang="en-US"/>
           </a:p>
@@ -2172,7 +2172,7 @@
           <a:p>
             <a:fld id="{BE15BF18-0007-481C-AA29-413124BC3EE7}" type="datetime1">
               <a:rPr lang="en-US" smtClean="0"/>
-              <a:t>4/28/25</a:t>
+              <a:t>4/29/2025</a:t>
             </a:fld>
             <a:endParaRPr lang="en-US"/>
           </a:p>
@@ -2334,7 +2334,7 @@
           <a:p>
             <a:fld id="{09BE9870-3748-43AD-B547-02A075CB4A1D}" type="datetime1">
               <a:rPr lang="en-US" smtClean="0"/>
-              <a:t>4/28/25</a:t>
+              <a:t>4/29/2025</a:t>
             </a:fld>
             <a:endParaRPr lang="en-US"/>
           </a:p>
@@ -2651,7 +2651,7 @@
           <a:p>
             <a:fld id="{558E7897-33C5-4F1A-9307-D068E37F3DC7}" type="datetime1">
               <a:rPr lang="en-US" smtClean="0"/>
-              <a:t>4/28/25</a:t>
+              <a:t>4/29/2025</a:t>
             </a:fld>
             <a:endParaRPr lang="en-US"/>
           </a:p>
@@ -2946,7 +2946,7 @@
           <a:p>
             <a:fld id="{82E171BA-CC09-47C8-A6DF-F5C5CB59CEEC}" type="datetime1">
               <a:rPr lang="en-US" smtClean="0"/>
-              <a:t>4/28/25</a:t>
+              <a:t>4/29/2025</a:t>
             </a:fld>
             <a:endParaRPr lang="en-US"/>
           </a:p>
@@ -3187,7 +3187,7 @@
           <a:p>
             <a:fld id="{7DA38F49-B3E2-4BF0-BEC7-C30D34ABBB8D}" type="datetime1">
               <a:rPr lang="en-US" smtClean="0"/>
-              <a:t>4/28/25</a:t>
+              <a:t>4/29/2025</a:t>
             </a:fld>
             <a:endParaRPr lang="en-US"/>
           </a:p>
@@ -3901,16 +3901,15 @@
           <a:lstStyle/>
           <a:p>
             <a:r>
-              <a:rPr lang="en-US"/>
+              <a:rPr lang="en-US" dirty="0"/>
               <a:t>Kaya Daylor</a:t>
             </a:r>
           </a:p>
           <a:p>
             <a:r>
-              <a:rPr lang="en-US"/>
-              <a:t>Alex Glebov</a:t>
-            </a:r>
-            <a:endParaRPr lang="en-US" dirty="0"/>
+              <a:rPr lang="en-US" dirty="0"/>
+              <a:t>Aleksei Glebov</a:t>
+            </a:r>
           </a:p>
         </p:txBody>
       </p:sp>
@@ -3978,6 +3977,14 @@
 <file path=ppt/slides/slide2.xml><?xml version="1.0" encoding="utf-8"?>
 <p:sld xmlns:a="http://schemas.openxmlformats.org/drawingml/2006/main" xmlns:r="http://schemas.openxmlformats.org/officeDocument/2006/relationships" xmlns:p="http://schemas.openxmlformats.org/presentationml/2006/main">
   <p:cSld>
+    <p:bg>
+      <p:bgPr>
+        <a:solidFill>
+          <a:schemeClr val="bg1"/>
+        </a:solidFill>
+        <a:effectLst/>
+      </p:bgPr>
+    </p:bg>
     <p:spTree>
       <p:nvGrpSpPr>
         <p:cNvPr id="1" name=""/>
@@ -3992,6 +3999,82 @@
           <a:chExt cx="0" cy="0"/>
         </a:xfrm>
       </p:grpSpPr>
+      <p:sp useBgFill="1">
+        <p:nvSpPr>
+          <p:cNvPr id="10" name="Rectangle 9">
+            <a:extLst>
+              <a:ext uri="{FF2B5EF4-FFF2-40B4-BE49-F238E27FC236}">
+                <a16:creationId xmlns:a16="http://schemas.microsoft.com/office/drawing/2014/main" id="{744CAA32-F237-419C-A2DD-43C28D920D3C}"/>
+              </a:ext>
+              <a:ext uri="{C183D7F6-B498-43B3-948B-1728B52AA6E4}">
+                <adec:decorative xmlns:adec="http://schemas.microsoft.com/office/drawing/2017/decorative" val="1"/>
+              </a:ext>
+            </a:extLst>
+          </p:cNvPr>
+          <p:cNvSpPr>
+            <a:spLocks noGrp="1" noRot="1" noChangeAspect="1" noMove="1" noResize="1" noEditPoints="1" noAdjustHandles="1" noChangeArrowheads="1" noChangeShapeType="1" noTextEdit="1"/>
+          </p:cNvSpPr>
+          <p:nvPr>
+            <p:extLst>
+              <p:ext uri="{386F3935-93C4-4BCD-93E2-E3B085C9AB24}">
+                <p16:designElem xmlns:p16="http://schemas.microsoft.com/office/powerpoint/2015/main" val="1"/>
+              </p:ext>
+            </p:extLst>
+          </p:nvPr>
+        </p:nvSpPr>
+        <p:spPr>
+          <a:xfrm>
+            <a:off x="0" y="0"/>
+            <a:ext cx="12192000" cy="6858000"/>
+          </a:xfrm>
+          <a:prstGeom prst="rect">
+            <a:avLst/>
+          </a:prstGeom>
+          <a:ln w="12700" cap="flat" cmpd="sng" algn="ctr">
+            <a:noFill/>
+            <a:prstDash val="solid"/>
+            <a:miter lim="800000"/>
+          </a:ln>
+          <a:effectLst/>
+          <a:extLst>
+            <a:ext uri="{91240B29-F687-4F45-9708-019B960494DF}">
+              <a14:hiddenLine xmlns:a14="http://schemas.microsoft.com/office/drawing/2010/main" w="12700" cap="flat" cmpd="sng" algn="ctr">
+                <a:solidFill>
+                  <a:schemeClr val="accent1">
+                    <a:shade val="50000"/>
+                  </a:schemeClr>
+                </a:solidFill>
+                <a:prstDash val="solid"/>
+                <a:miter lim="800000"/>
+              </a14:hiddenLine>
+            </a:ext>
+          </a:extLst>
+        </p:spPr>
+        <p:style>
+          <a:lnRef idx="2">
+            <a:schemeClr val="accent1">
+              <a:shade val="50000"/>
+            </a:schemeClr>
+          </a:lnRef>
+          <a:fillRef idx="1">
+            <a:schemeClr val="accent1"/>
+          </a:fillRef>
+          <a:effectRef idx="0">
+            <a:schemeClr val="accent1"/>
+          </a:effectRef>
+          <a:fontRef idx="minor">
+            <a:schemeClr val="lt1"/>
+          </a:fontRef>
+        </p:style>
+        <p:txBody>
+          <a:bodyPr rtlCol="0" anchor="ctr"/>
+          <a:lstStyle/>
+          <a:p>
+            <a:pPr algn="ctr"/>
+            <a:endParaRPr lang="en-US"/>
+          </a:p>
+        </p:txBody>
+      </p:sp>
       <p:sp>
         <p:nvSpPr>
           <p:cNvPr id="2" name="Title 1">
@@ -4008,9 +4091,16 @@
             <p:ph type="title"/>
           </p:nvPr>
         </p:nvSpPr>
-        <p:spPr/>
-        <p:txBody>
-          <a:bodyPr/>
+        <p:spPr>
+          <a:xfrm>
+            <a:off x="640080" y="1371600"/>
+            <a:ext cx="5737859" cy="1097280"/>
+          </a:xfrm>
+        </p:spPr>
+        <p:txBody>
+          <a:bodyPr>
+            <a:normAutofit/>
+          </a:bodyPr>
           <a:lstStyle/>
           <a:p>
             <a:r>
@@ -4020,6 +4110,54 @@
           </a:p>
         </p:txBody>
       </p:sp>
+      <p:cxnSp>
+        <p:nvCxnSpPr>
+          <p:cNvPr id="12" name="Straight Connector 11">
+            <a:extLst>
+              <a:ext uri="{FF2B5EF4-FFF2-40B4-BE49-F238E27FC236}">
+                <a16:creationId xmlns:a16="http://schemas.microsoft.com/office/drawing/2014/main" id="{753FE100-D0AB-4AE2-824B-60CFA31EC6A2}"/>
+              </a:ext>
+              <a:ext uri="{C183D7F6-B498-43B3-948B-1728B52AA6E4}">
+                <adec:decorative xmlns:adec="http://schemas.microsoft.com/office/drawing/2017/decorative" val="1"/>
+              </a:ext>
+            </a:extLst>
+          </p:cNvPr>
+          <p:cNvCxnSpPr>
+            <a:cxnSpLocks noGrp="1" noRot="1" noChangeAspect="1" noMove="1" noResize="1" noEditPoints="1" noAdjustHandles="1" noChangeArrowheads="1" noChangeShapeType="1"/>
+          </p:cNvCxnSpPr>
+          <p:nvPr>
+            <p:extLst>
+              <p:ext uri="{386F3935-93C4-4BCD-93E2-E3B085C9AB24}">
+                <p16:designElem xmlns:p16="http://schemas.microsoft.com/office/powerpoint/2015/main" val="1"/>
+              </p:ext>
+            </p:extLst>
+          </p:nvPr>
+        </p:nvCxnSpPr>
+        <p:spPr>
+          <a:xfrm>
+            <a:off x="713232" y="1031001"/>
+            <a:ext cx="978862" cy="0"/>
+          </a:xfrm>
+          <a:prstGeom prst="line">
+            <a:avLst/>
+          </a:prstGeom>
+          <a:ln w="76200"/>
+        </p:spPr>
+        <p:style>
+          <a:lnRef idx="1">
+            <a:schemeClr val="accent1"/>
+          </a:lnRef>
+          <a:fillRef idx="0">
+            <a:schemeClr val="accent1"/>
+          </a:fillRef>
+          <a:effectRef idx="0">
+            <a:schemeClr val="accent1"/>
+          </a:effectRef>
+          <a:fontRef idx="minor">
+            <a:schemeClr val="tx1"/>
+          </a:fontRef>
+        </p:style>
+      </p:cxnSp>
       <p:sp>
         <p:nvSpPr>
           <p:cNvPr id="3" name="Content Placeholder 2">
@@ -4036,9 +4174,16 @@
             <p:ph idx="1"/>
           </p:nvPr>
         </p:nvSpPr>
-        <p:spPr/>
-        <p:txBody>
-          <a:bodyPr/>
+        <p:spPr>
+          <a:xfrm>
+            <a:off x="640080" y="2633236"/>
+            <a:ext cx="5737860" cy="3666980"/>
+          </a:xfrm>
+        </p:spPr>
+        <p:txBody>
+          <a:bodyPr>
+            <a:normAutofit/>
+          </a:bodyPr>
           <a:lstStyle/>
           <a:p>
             <a:r>
@@ -4047,7 +4192,7 @@
             </a:r>
             <a:r>
               <a:rPr lang="en-US" dirty="0"/>
-              <a:t>: develop an autonomous agent that can play Auto Chess using RL</a:t>
+              <a:t>: develop an autonomous agent that can learn how to play Auto Chess using RL</a:t>
             </a:r>
           </a:p>
           <a:p>
@@ -4067,17 +4212,25 @@
             <a:pPr lvl="1"/>
             <a:r>
               <a:rPr lang="en-US" dirty="0"/>
-              <a:t>Item allocation</a:t>
+              <a:t>Unit positioning</a:t>
             </a:r>
           </a:p>
           <a:p>
             <a:pPr lvl="1"/>
             <a:r>
               <a:rPr lang="en-US" dirty="0"/>
-              <a:t>Unit positioning</a:t>
-            </a:r>
-          </a:p>
-          <a:p>
+              <a:t>Level pushing</a:t>
+            </a:r>
+          </a:p>
+          <a:p>
+            <a:pPr lvl="1"/>
+            <a:r>
+              <a:rPr lang="en-US" dirty="0"/>
+              <a:t>Economy</a:t>
+            </a:r>
+          </a:p>
+          <a:p>
+            <a:pPr lvl="1"/>
             <a:r>
               <a:rPr lang="en-US" dirty="0"/>
               <a:t>Adapt to constantly changing game state</a:t>
@@ -4085,6 +4238,36 @@
           </a:p>
         </p:txBody>
       </p:sp>
+      <p:pic>
+        <p:nvPicPr>
+          <p:cNvPr id="5" name="Picture 4">
+            <a:extLst>
+              <a:ext uri="{FF2B5EF4-FFF2-40B4-BE49-F238E27FC236}">
+                <a16:creationId xmlns:a16="http://schemas.microsoft.com/office/drawing/2014/main" id="{7BF81985-1D56-D085-3DFD-D71D5AA48003}"/>
+              </a:ext>
+            </a:extLst>
+          </p:cNvPr>
+          <p:cNvPicPr>
+            <a:picLocks noChangeAspect="1"/>
+          </p:cNvPicPr>
+          <p:nvPr/>
+        </p:nvPicPr>
+        <p:blipFill>
+          <a:blip r:embed="rId2"/>
+          <a:stretch>
+            <a:fillRect/>
+          </a:stretch>
+        </p:blipFill>
+        <p:spPr>
+          <a:xfrm>
+            <a:off x="7155179" y="1924386"/>
+            <a:ext cx="4375829" cy="4375829"/>
+          </a:xfrm>
+          <a:prstGeom prst="rect">
+            <a:avLst/>
+          </a:prstGeom>
+        </p:spPr>
+      </p:pic>
     </p:spTree>
     <p:extLst>
       <p:ext uri="{BB962C8B-B14F-4D97-AF65-F5344CB8AC3E}">
@@ -4101,6 +4284,14 @@
 <file path=ppt/slides/slide3.xml><?xml version="1.0" encoding="utf-8"?>
 <p:sld xmlns:a="http://schemas.openxmlformats.org/drawingml/2006/main" xmlns:r="http://schemas.openxmlformats.org/officeDocument/2006/relationships" xmlns:p="http://schemas.openxmlformats.org/presentationml/2006/main">
   <p:cSld>
+    <p:bg>
+      <p:bgPr>
+        <a:solidFill>
+          <a:schemeClr val="bg1"/>
+        </a:solidFill>
+        <a:effectLst/>
+      </p:bgPr>
+    </p:bg>
     <p:spTree>
       <p:nvGrpSpPr>
         <p:cNvPr id="1" name="">
@@ -4121,6 +4312,82 @@
           <a:chExt cx="0" cy="0"/>
         </a:xfrm>
       </p:grpSpPr>
+      <p:sp useBgFill="1">
+        <p:nvSpPr>
+          <p:cNvPr id="10" name="Rectangle 9">
+            <a:extLst>
+              <a:ext uri="{FF2B5EF4-FFF2-40B4-BE49-F238E27FC236}">
+                <a16:creationId xmlns:a16="http://schemas.microsoft.com/office/drawing/2014/main" id="{744CAA32-F237-419C-A2DD-43C28D920D3C}"/>
+              </a:ext>
+              <a:ext uri="{C183D7F6-B498-43B3-948B-1728B52AA6E4}">
+                <adec:decorative xmlns:adec="http://schemas.microsoft.com/office/drawing/2017/decorative" val="1"/>
+              </a:ext>
+            </a:extLst>
+          </p:cNvPr>
+          <p:cNvSpPr>
+            <a:spLocks noGrp="1" noRot="1" noChangeAspect="1" noMove="1" noResize="1" noEditPoints="1" noAdjustHandles="1" noChangeArrowheads="1" noChangeShapeType="1" noTextEdit="1"/>
+          </p:cNvSpPr>
+          <p:nvPr>
+            <p:extLst>
+              <p:ext uri="{386F3935-93C4-4BCD-93E2-E3B085C9AB24}">
+                <p16:designElem xmlns:p16="http://schemas.microsoft.com/office/powerpoint/2015/main" val="1"/>
+              </p:ext>
+            </p:extLst>
+          </p:nvPr>
+        </p:nvSpPr>
+        <p:spPr>
+          <a:xfrm>
+            <a:off x="0" y="0"/>
+            <a:ext cx="12192000" cy="6858000"/>
+          </a:xfrm>
+          <a:prstGeom prst="rect">
+            <a:avLst/>
+          </a:prstGeom>
+          <a:ln w="12700" cap="flat" cmpd="sng" algn="ctr">
+            <a:noFill/>
+            <a:prstDash val="solid"/>
+            <a:miter lim="800000"/>
+          </a:ln>
+          <a:effectLst/>
+          <a:extLst>
+            <a:ext uri="{91240B29-F687-4F45-9708-019B960494DF}">
+              <a14:hiddenLine xmlns:a14="http://schemas.microsoft.com/office/drawing/2010/main" w="12700" cap="flat" cmpd="sng" algn="ctr">
+                <a:solidFill>
+                  <a:schemeClr val="accent1">
+                    <a:shade val="50000"/>
+                  </a:schemeClr>
+                </a:solidFill>
+                <a:prstDash val="solid"/>
+                <a:miter lim="800000"/>
+              </a14:hiddenLine>
+            </a:ext>
+          </a:extLst>
+        </p:spPr>
+        <p:style>
+          <a:lnRef idx="2">
+            <a:schemeClr val="accent1">
+              <a:shade val="50000"/>
+            </a:schemeClr>
+          </a:lnRef>
+          <a:fillRef idx="1">
+            <a:schemeClr val="accent1"/>
+          </a:fillRef>
+          <a:effectRef idx="0">
+            <a:schemeClr val="accent1"/>
+          </a:effectRef>
+          <a:fontRef idx="minor">
+            <a:schemeClr val="lt1"/>
+          </a:fontRef>
+        </p:style>
+        <p:txBody>
+          <a:bodyPr rtlCol="0" anchor="ctr"/>
+          <a:lstStyle/>
+          <a:p>
+            <a:pPr algn="ctr"/>
+            <a:endParaRPr lang="en-US"/>
+          </a:p>
+        </p:txBody>
+      </p:sp>
       <p:sp>
         <p:nvSpPr>
           <p:cNvPr id="2" name="Title 1">
@@ -4137,9 +4404,16 @@
             <p:ph type="title"/>
           </p:nvPr>
         </p:nvSpPr>
-        <p:spPr/>
-        <p:txBody>
-          <a:bodyPr/>
+        <p:spPr>
+          <a:xfrm>
+            <a:off x="5793149" y="1371600"/>
+            <a:ext cx="5737859" cy="1097280"/>
+          </a:xfrm>
+        </p:spPr>
+        <p:txBody>
+          <a:bodyPr>
+            <a:normAutofit/>
+          </a:bodyPr>
           <a:lstStyle/>
           <a:p>
             <a:r>
@@ -4149,6 +4423,84 @@
           </a:p>
         </p:txBody>
       </p:sp>
+      <p:pic>
+        <p:nvPicPr>
+          <p:cNvPr id="5" name="Picture 4">
+            <a:extLst>
+              <a:ext uri="{FF2B5EF4-FFF2-40B4-BE49-F238E27FC236}">
+                <a16:creationId xmlns:a16="http://schemas.microsoft.com/office/drawing/2014/main" id="{74E2D3B2-6960-7BF9-BB7C-C326E5D88010}"/>
+              </a:ext>
+            </a:extLst>
+          </p:cNvPr>
+          <p:cNvPicPr>
+            <a:picLocks noChangeAspect="1"/>
+          </p:cNvPicPr>
+          <p:nvPr/>
+        </p:nvPicPr>
+        <p:blipFill>
+          <a:blip r:embed="rId2"/>
+          <a:stretch>
+            <a:fillRect/>
+          </a:stretch>
+        </p:blipFill>
+        <p:spPr>
+          <a:xfrm>
+            <a:off x="713232" y="987188"/>
+            <a:ext cx="4343400" cy="5313027"/>
+          </a:xfrm>
+          <a:prstGeom prst="rect">
+            <a:avLst/>
+          </a:prstGeom>
+        </p:spPr>
+      </p:pic>
+      <p:cxnSp>
+        <p:nvCxnSpPr>
+          <p:cNvPr id="12" name="Straight Connector 11">
+            <a:extLst>
+              <a:ext uri="{FF2B5EF4-FFF2-40B4-BE49-F238E27FC236}">
+                <a16:creationId xmlns:a16="http://schemas.microsoft.com/office/drawing/2014/main" id="{753FE100-D0AB-4AE2-824B-60CFA31EC6A2}"/>
+              </a:ext>
+              <a:ext uri="{C183D7F6-B498-43B3-948B-1728B52AA6E4}">
+                <adec:decorative xmlns:adec="http://schemas.microsoft.com/office/drawing/2017/decorative" val="1"/>
+              </a:ext>
+            </a:extLst>
+          </p:cNvPr>
+          <p:cNvCxnSpPr>
+            <a:cxnSpLocks noGrp="1" noRot="1" noChangeAspect="1" noMove="1" noResize="1" noEditPoints="1" noAdjustHandles="1" noChangeArrowheads="1" noChangeShapeType="1"/>
+          </p:cNvCxnSpPr>
+          <p:nvPr>
+            <p:extLst>
+              <p:ext uri="{386F3935-93C4-4BCD-93E2-E3B085C9AB24}">
+                <p16:designElem xmlns:p16="http://schemas.microsoft.com/office/powerpoint/2015/main" val="1"/>
+              </p:ext>
+            </p:extLst>
+          </p:nvPr>
+        </p:nvCxnSpPr>
+        <p:spPr>
+          <a:xfrm>
+            <a:off x="5866301" y="1031001"/>
+            <a:ext cx="978862" cy="0"/>
+          </a:xfrm>
+          <a:prstGeom prst="line">
+            <a:avLst/>
+          </a:prstGeom>
+          <a:ln w="76200"/>
+        </p:spPr>
+        <p:style>
+          <a:lnRef idx="1">
+            <a:schemeClr val="accent1"/>
+          </a:lnRef>
+          <a:fillRef idx="0">
+            <a:schemeClr val="accent1"/>
+          </a:fillRef>
+          <a:effectRef idx="0">
+            <a:schemeClr val="accent1"/>
+          </a:effectRef>
+          <a:fontRef idx="minor">
+            <a:schemeClr val="tx1"/>
+          </a:fontRef>
+        </p:style>
+      </p:cxnSp>
       <p:sp>
         <p:nvSpPr>
           <p:cNvPr id="3" name="Content Placeholder 2">
@@ -4165,9 +4517,16 @@
             <p:ph idx="1"/>
           </p:nvPr>
         </p:nvSpPr>
-        <p:spPr/>
-        <p:txBody>
-          <a:bodyPr/>
+        <p:spPr>
+          <a:xfrm>
+            <a:off x="5793149" y="2633236"/>
+            <a:ext cx="5737860" cy="3666980"/>
+          </a:xfrm>
+        </p:spPr>
+        <p:txBody>
+          <a:bodyPr>
+            <a:normAutofit/>
+          </a:bodyPr>
           <a:lstStyle/>
           <a:p>
             <a:r>
@@ -4382,6 +4741,14 @@
 <file path=ppt/slides/slide5.xml><?xml version="1.0" encoding="utf-8"?>
 <p:sld xmlns:a="http://schemas.openxmlformats.org/drawingml/2006/main" xmlns:r="http://schemas.openxmlformats.org/officeDocument/2006/relationships" xmlns:p="http://schemas.openxmlformats.org/presentationml/2006/main">
   <p:cSld>
+    <p:bg>
+      <p:bgPr>
+        <a:solidFill>
+          <a:schemeClr val="bg1"/>
+        </a:solidFill>
+        <a:effectLst/>
+      </p:bgPr>
+    </p:bg>
     <p:spTree>
       <p:nvGrpSpPr>
         <p:cNvPr id="1" name="">
@@ -4402,6 +4769,82 @@
           <a:chExt cx="0" cy="0"/>
         </a:xfrm>
       </p:grpSpPr>
+      <p:sp useBgFill="1">
+        <p:nvSpPr>
+          <p:cNvPr id="10" name="Rectangle 9">
+            <a:extLst>
+              <a:ext uri="{FF2B5EF4-FFF2-40B4-BE49-F238E27FC236}">
+                <a16:creationId xmlns:a16="http://schemas.microsoft.com/office/drawing/2014/main" id="{DBDA151C-5770-45E4-AAFF-59E7F403866D}"/>
+              </a:ext>
+              <a:ext uri="{C183D7F6-B498-43B3-948B-1728B52AA6E4}">
+                <adec:decorative xmlns:adec="http://schemas.microsoft.com/office/drawing/2017/decorative" val="1"/>
+              </a:ext>
+            </a:extLst>
+          </p:cNvPr>
+          <p:cNvSpPr>
+            <a:spLocks noGrp="1" noRot="1" noChangeAspect="1" noMove="1" noResize="1" noEditPoints="1" noAdjustHandles="1" noChangeArrowheads="1" noChangeShapeType="1" noTextEdit="1"/>
+          </p:cNvSpPr>
+          <p:nvPr>
+            <p:extLst>
+              <p:ext uri="{386F3935-93C4-4BCD-93E2-E3B085C9AB24}">
+                <p16:designElem xmlns:p16="http://schemas.microsoft.com/office/powerpoint/2015/main" val="1"/>
+              </p:ext>
+            </p:extLst>
+          </p:nvPr>
+        </p:nvSpPr>
+        <p:spPr>
+          <a:xfrm>
+            <a:off x="0" y="0"/>
+            <a:ext cx="12192000" cy="6858000"/>
+          </a:xfrm>
+          <a:prstGeom prst="rect">
+            <a:avLst/>
+          </a:prstGeom>
+          <a:ln w="12700" cap="flat" cmpd="sng" algn="ctr">
+            <a:noFill/>
+            <a:prstDash val="solid"/>
+            <a:miter lim="800000"/>
+          </a:ln>
+          <a:effectLst/>
+          <a:extLst>
+            <a:ext uri="{91240B29-F687-4F45-9708-019B960494DF}">
+              <a14:hiddenLine xmlns:a14="http://schemas.microsoft.com/office/drawing/2010/main" w="12700" cap="flat" cmpd="sng" algn="ctr">
+                <a:solidFill>
+                  <a:schemeClr val="accent1">
+                    <a:shade val="50000"/>
+                  </a:schemeClr>
+                </a:solidFill>
+                <a:prstDash val="solid"/>
+                <a:miter lim="800000"/>
+              </a14:hiddenLine>
+            </a:ext>
+          </a:extLst>
+        </p:spPr>
+        <p:style>
+          <a:lnRef idx="2">
+            <a:schemeClr val="accent1">
+              <a:shade val="50000"/>
+            </a:schemeClr>
+          </a:lnRef>
+          <a:fillRef idx="1">
+            <a:schemeClr val="accent1"/>
+          </a:fillRef>
+          <a:effectRef idx="0">
+            <a:schemeClr val="accent1"/>
+          </a:effectRef>
+          <a:fontRef idx="minor">
+            <a:schemeClr val="lt1"/>
+          </a:fontRef>
+        </p:style>
+        <p:txBody>
+          <a:bodyPr rtlCol="0" anchor="ctr"/>
+          <a:lstStyle/>
+          <a:p>
+            <a:pPr algn="ctr"/>
+            <a:endParaRPr lang="en-US" dirty="0"/>
+          </a:p>
+        </p:txBody>
+      </p:sp>
       <p:sp>
         <p:nvSpPr>
           <p:cNvPr id="2" name="Title 1">
@@ -4418,18 +4861,103 @@
             <p:ph type="title"/>
           </p:nvPr>
         </p:nvSpPr>
-        <p:spPr/>
-        <p:txBody>
-          <a:bodyPr/>
+        <p:spPr>
+          <a:xfrm>
+            <a:off x="640080" y="1371600"/>
+            <a:ext cx="10890928" cy="971550"/>
+          </a:xfrm>
+        </p:spPr>
+        <p:txBody>
+          <a:bodyPr anchor="t">
+            <a:normAutofit/>
+          </a:bodyPr>
           <a:lstStyle/>
           <a:p>
             <a:r>
               <a:rPr lang="en-US" dirty="0"/>
-              <a:t>Solution: Auto Chess Environment</a:t>
-            </a:r>
-          </a:p>
-        </p:txBody>
-      </p:sp>
+              <a:t>Our Approach: Auto Chess Environment</a:t>
+            </a:r>
+          </a:p>
+        </p:txBody>
+      </p:sp>
+      <p:cxnSp>
+        <p:nvCxnSpPr>
+          <p:cNvPr id="12" name="Straight Connector 11">
+            <a:extLst>
+              <a:ext uri="{FF2B5EF4-FFF2-40B4-BE49-F238E27FC236}">
+                <a16:creationId xmlns:a16="http://schemas.microsoft.com/office/drawing/2014/main" id="{39AA7464-1EB7-A869-C7D3-AA680BBA984A}"/>
+              </a:ext>
+              <a:ext uri="{C183D7F6-B498-43B3-948B-1728B52AA6E4}">
+                <adec:decorative xmlns:adec="http://schemas.microsoft.com/office/drawing/2017/decorative" val="1"/>
+              </a:ext>
+            </a:extLst>
+          </p:cNvPr>
+          <p:cNvCxnSpPr>
+            <a:cxnSpLocks noGrp="1" noRot="1" noChangeAspect="1" noMove="1" noResize="1" noEditPoints="1" noAdjustHandles="1" noChangeArrowheads="1" noChangeShapeType="1"/>
+          </p:cNvCxnSpPr>
+          <p:nvPr>
+            <p:extLst>
+              <p:ext uri="{386F3935-93C4-4BCD-93E2-E3B085C9AB24}">
+                <p16:designElem xmlns:p16="http://schemas.microsoft.com/office/powerpoint/2015/main" val="1"/>
+              </p:ext>
+            </p:extLst>
+          </p:nvPr>
+        </p:nvCxnSpPr>
+        <p:spPr>
+          <a:xfrm>
+            <a:off x="713232" y="1031001"/>
+            <a:ext cx="978862" cy="0"/>
+          </a:xfrm>
+          <a:prstGeom prst="line">
+            <a:avLst/>
+          </a:prstGeom>
+          <a:ln w="76200"/>
+        </p:spPr>
+        <p:style>
+          <a:lnRef idx="1">
+            <a:schemeClr val="accent1"/>
+          </a:lnRef>
+          <a:fillRef idx="0">
+            <a:schemeClr val="accent1"/>
+          </a:fillRef>
+          <a:effectRef idx="0">
+            <a:schemeClr val="accent1"/>
+          </a:effectRef>
+          <a:fontRef idx="minor">
+            <a:schemeClr val="tx1"/>
+          </a:fontRef>
+        </p:style>
+      </p:cxnSp>
+      <p:pic>
+        <p:nvPicPr>
+          <p:cNvPr id="5" name="Picture 4">
+            <a:extLst>
+              <a:ext uri="{FF2B5EF4-FFF2-40B4-BE49-F238E27FC236}">
+                <a16:creationId xmlns:a16="http://schemas.microsoft.com/office/drawing/2014/main" id="{F3CAD6C9-38E8-EF69-D46A-5710161BE857}"/>
+              </a:ext>
+            </a:extLst>
+          </p:cNvPr>
+          <p:cNvPicPr>
+            <a:picLocks noChangeAspect="1"/>
+          </p:cNvPicPr>
+          <p:nvPr/>
+        </p:nvPicPr>
+        <p:blipFill>
+          <a:blip r:embed="rId2"/>
+          <a:stretch>
+            <a:fillRect/>
+          </a:stretch>
+        </p:blipFill>
+        <p:spPr>
+          <a:xfrm>
+            <a:off x="713232" y="2537460"/>
+            <a:ext cx="5260028" cy="3760459"/>
+          </a:xfrm>
+          <a:prstGeom prst="rect">
+            <a:avLst/>
+          </a:prstGeom>
+        </p:spPr>
+      </p:pic>
       <p:sp>
         <p:nvSpPr>
           <p:cNvPr id="3" name="Content Placeholder 2">
@@ -4446,14 +4974,27 @@
             <p:ph idx="1"/>
           </p:nvPr>
         </p:nvSpPr>
-        <p:spPr/>
-        <p:txBody>
-          <a:bodyPr/>
+        <p:spPr>
+          <a:xfrm>
+            <a:off x="6871063" y="2537460"/>
+            <a:ext cx="4659945" cy="3760459"/>
+          </a:xfrm>
+        </p:spPr>
+        <p:txBody>
+          <a:bodyPr anchor="t">
+            <a:normAutofit/>
+          </a:bodyPr>
           <a:lstStyle/>
           <a:p>
             <a:r>
               <a:rPr lang="en-US" dirty="0"/>
-              <a:t>Created a custom Gym environment to replicate Auto Chess</a:t>
+              <a:t>Implemented several important Python classes (Unit, Player, Shop)</a:t>
+            </a:r>
+          </a:p>
+          <a:p>
+            <a:r>
+              <a:rPr lang="en-US" dirty="0"/>
+              <a:t>Created our own custom Gym environment to replicate Auto Chess</a:t>
             </a:r>
           </a:p>
           <a:p>
@@ -4500,6 +5041,14 @@
 <file path=ppt/slides/slide6.xml><?xml version="1.0" encoding="utf-8"?>
 <p:sld xmlns:a="http://schemas.openxmlformats.org/drawingml/2006/main" xmlns:r="http://schemas.openxmlformats.org/officeDocument/2006/relationships" xmlns:p="http://schemas.openxmlformats.org/presentationml/2006/main">
   <p:cSld>
+    <p:bg>
+      <p:bgPr>
+        <a:solidFill>
+          <a:schemeClr val="bg1"/>
+        </a:solidFill>
+        <a:effectLst/>
+      </p:bgPr>
+    </p:bg>
     <p:spTree>
       <p:nvGrpSpPr>
         <p:cNvPr id="1" name="">
@@ -4520,6 +5069,82 @@
           <a:chExt cx="0" cy="0"/>
         </a:xfrm>
       </p:grpSpPr>
+      <p:sp useBgFill="1">
+        <p:nvSpPr>
+          <p:cNvPr id="14" name="Rectangle 13">
+            <a:extLst>
+              <a:ext uri="{FF2B5EF4-FFF2-40B4-BE49-F238E27FC236}">
+                <a16:creationId xmlns:a16="http://schemas.microsoft.com/office/drawing/2014/main" id="{DBDA151C-5770-45E4-AAFF-59E7F403866D}"/>
+              </a:ext>
+              <a:ext uri="{C183D7F6-B498-43B3-948B-1728B52AA6E4}">
+                <adec:decorative xmlns:adec="http://schemas.microsoft.com/office/drawing/2017/decorative" val="1"/>
+              </a:ext>
+            </a:extLst>
+          </p:cNvPr>
+          <p:cNvSpPr>
+            <a:spLocks noGrp="1" noRot="1" noChangeAspect="1" noMove="1" noResize="1" noEditPoints="1" noAdjustHandles="1" noChangeArrowheads="1" noChangeShapeType="1" noTextEdit="1"/>
+          </p:cNvSpPr>
+          <p:nvPr>
+            <p:extLst>
+              <p:ext uri="{386F3935-93C4-4BCD-93E2-E3B085C9AB24}">
+                <p16:designElem xmlns:p16="http://schemas.microsoft.com/office/powerpoint/2015/main" val="1"/>
+              </p:ext>
+            </p:extLst>
+          </p:nvPr>
+        </p:nvSpPr>
+        <p:spPr>
+          <a:xfrm>
+            <a:off x="0" y="0"/>
+            <a:ext cx="12192000" cy="6858000"/>
+          </a:xfrm>
+          <a:prstGeom prst="rect">
+            <a:avLst/>
+          </a:prstGeom>
+          <a:ln w="12700" cap="flat" cmpd="sng" algn="ctr">
+            <a:noFill/>
+            <a:prstDash val="solid"/>
+            <a:miter lim="800000"/>
+          </a:ln>
+          <a:effectLst/>
+          <a:extLst>
+            <a:ext uri="{91240B29-F687-4F45-9708-019B960494DF}">
+              <a14:hiddenLine xmlns:a14="http://schemas.microsoft.com/office/drawing/2010/main" w="12700" cap="flat" cmpd="sng" algn="ctr">
+                <a:solidFill>
+                  <a:schemeClr val="accent1">
+                    <a:shade val="50000"/>
+                  </a:schemeClr>
+                </a:solidFill>
+                <a:prstDash val="solid"/>
+                <a:miter lim="800000"/>
+              </a14:hiddenLine>
+            </a:ext>
+          </a:extLst>
+        </p:spPr>
+        <p:style>
+          <a:lnRef idx="2">
+            <a:schemeClr val="accent1">
+              <a:shade val="50000"/>
+            </a:schemeClr>
+          </a:lnRef>
+          <a:fillRef idx="1">
+            <a:schemeClr val="accent1"/>
+          </a:fillRef>
+          <a:effectRef idx="0">
+            <a:schemeClr val="accent1"/>
+          </a:effectRef>
+          <a:fontRef idx="minor">
+            <a:schemeClr val="lt1"/>
+          </a:fontRef>
+        </p:style>
+        <p:txBody>
+          <a:bodyPr rtlCol="0" anchor="ctr"/>
+          <a:lstStyle/>
+          <a:p>
+            <a:pPr algn="ctr"/>
+            <a:endParaRPr lang="en-US" dirty="0"/>
+          </a:p>
+        </p:txBody>
+      </p:sp>
       <p:sp>
         <p:nvSpPr>
           <p:cNvPr id="2" name="Title 1">
@@ -4536,18 +5161,104 @@
             <p:ph type="title"/>
           </p:nvPr>
         </p:nvSpPr>
-        <p:spPr/>
-        <p:txBody>
-          <a:bodyPr/>
-          <a:lstStyle/>
-          <a:p>
-            <a:r>
-              <a:rPr lang="en-US" dirty="0"/>
-              <a:t>Solution: Deep Q-Network</a:t>
-            </a:r>
-          </a:p>
-        </p:txBody>
-      </p:sp>
+        <p:spPr>
+          <a:xfrm>
+            <a:off x="640080" y="1371600"/>
+            <a:ext cx="10890928" cy="971550"/>
+          </a:xfrm>
+        </p:spPr>
+        <p:txBody>
+          <a:bodyPr anchor="t">
+            <a:normAutofit/>
+          </a:bodyPr>
+          <a:lstStyle/>
+          <a:p>
+            <a:r>
+              <a:rPr lang="en-US"/>
+              <a:t>Our Approach: Deep Q-Network</a:t>
+            </a:r>
+            <a:endParaRPr lang="en-US" dirty="0"/>
+          </a:p>
+        </p:txBody>
+      </p:sp>
+      <p:cxnSp>
+        <p:nvCxnSpPr>
+          <p:cNvPr id="15" name="Straight Connector 14">
+            <a:extLst>
+              <a:ext uri="{FF2B5EF4-FFF2-40B4-BE49-F238E27FC236}">
+                <a16:creationId xmlns:a16="http://schemas.microsoft.com/office/drawing/2014/main" id="{39AA7464-1EB7-A869-C7D3-AA680BBA984A}"/>
+              </a:ext>
+              <a:ext uri="{C183D7F6-B498-43B3-948B-1728B52AA6E4}">
+                <adec:decorative xmlns:adec="http://schemas.microsoft.com/office/drawing/2017/decorative" val="1"/>
+              </a:ext>
+            </a:extLst>
+          </p:cNvPr>
+          <p:cNvCxnSpPr>
+            <a:cxnSpLocks noGrp="1" noRot="1" noChangeAspect="1" noMove="1" noResize="1" noEditPoints="1" noAdjustHandles="1" noChangeArrowheads="1" noChangeShapeType="1"/>
+          </p:cNvCxnSpPr>
+          <p:nvPr>
+            <p:extLst>
+              <p:ext uri="{386F3935-93C4-4BCD-93E2-E3B085C9AB24}">
+                <p16:designElem xmlns:p16="http://schemas.microsoft.com/office/powerpoint/2015/main" val="1"/>
+              </p:ext>
+            </p:extLst>
+          </p:nvPr>
+        </p:nvCxnSpPr>
+        <p:spPr>
+          <a:xfrm>
+            <a:off x="713232" y="1031001"/>
+            <a:ext cx="978862" cy="0"/>
+          </a:xfrm>
+          <a:prstGeom prst="line">
+            <a:avLst/>
+          </a:prstGeom>
+          <a:ln w="76200"/>
+        </p:spPr>
+        <p:style>
+          <a:lnRef idx="1">
+            <a:schemeClr val="accent1"/>
+          </a:lnRef>
+          <a:fillRef idx="0">
+            <a:schemeClr val="accent1"/>
+          </a:fillRef>
+          <a:effectRef idx="0">
+            <a:schemeClr val="accent1"/>
+          </a:effectRef>
+          <a:fontRef idx="minor">
+            <a:schemeClr val="tx1"/>
+          </a:fontRef>
+        </p:style>
+      </p:cxnSp>
+      <p:pic>
+        <p:nvPicPr>
+          <p:cNvPr id="5" name="Picture 4">
+            <a:extLst>
+              <a:ext uri="{FF2B5EF4-FFF2-40B4-BE49-F238E27FC236}">
+                <a16:creationId xmlns:a16="http://schemas.microsoft.com/office/drawing/2014/main" id="{BEA874C6-25DF-90A7-BE2D-02A4DE793E0F}"/>
+              </a:ext>
+            </a:extLst>
+          </p:cNvPr>
+          <p:cNvPicPr>
+            <a:picLocks noChangeAspect="1"/>
+          </p:cNvPicPr>
+          <p:nvPr/>
+        </p:nvPicPr>
+        <p:blipFill>
+          <a:blip r:embed="rId2"/>
+          <a:stretch>
+            <a:fillRect/>
+          </a:stretch>
+        </p:blipFill>
+        <p:spPr>
+          <a:xfrm>
+            <a:off x="713232" y="2787392"/>
+            <a:ext cx="5648193" cy="3260595"/>
+          </a:xfrm>
+          <a:prstGeom prst="rect">
+            <a:avLst/>
+          </a:prstGeom>
+        </p:spPr>
+      </p:pic>
       <p:sp>
         <p:nvSpPr>
           <p:cNvPr id="3" name="Content Placeholder 2">
@@ -4564,49 +5275,57 @@
             <p:ph idx="1"/>
           </p:nvPr>
         </p:nvSpPr>
-        <p:spPr/>
-        <p:txBody>
-          <a:bodyPr/>
-          <a:lstStyle/>
-          <a:p>
-            <a:r>
-              <a:rPr lang="en-US" dirty="0"/>
+        <p:spPr>
+          <a:xfrm>
+            <a:off x="6871063" y="2537460"/>
+            <a:ext cx="4659945" cy="3760459"/>
+          </a:xfrm>
+        </p:spPr>
+        <p:txBody>
+          <a:bodyPr anchor="t">
+            <a:normAutofit/>
+          </a:bodyPr>
+          <a:lstStyle/>
+          <a:p>
+            <a:r>
+              <a:rPr lang="en-US"/>
               <a:t>Model</a:t>
             </a:r>
           </a:p>
           <a:p>
             <a:pPr lvl="1"/>
             <a:r>
-              <a:rPr lang="en-US" dirty="0"/>
+              <a:rPr lang="en-US"/>
               <a:t>Embedded layers to best capture the units/environment</a:t>
             </a:r>
           </a:p>
           <a:p>
             <a:pPr lvl="1"/>
             <a:r>
-              <a:rPr lang="en-US" dirty="0"/>
+              <a:rPr lang="en-US"/>
               <a:t>Final output predicts optimal action for the agent to take</a:t>
             </a:r>
           </a:p>
           <a:p>
             <a:r>
-              <a:rPr lang="en-US" dirty="0"/>
+              <a:rPr lang="en-US"/>
               <a:t>Training Loop</a:t>
             </a:r>
           </a:p>
           <a:p>
             <a:pPr lvl="1"/>
             <a:r>
-              <a:rPr lang="en-US" dirty="0"/>
+              <a:rPr lang="en-US"/>
               <a:t>Epsilon-greedy exploration</a:t>
             </a:r>
           </a:p>
           <a:p>
             <a:pPr lvl="1"/>
             <a:r>
-              <a:rPr lang="en-US" dirty="0"/>
+              <a:rPr lang="en-US"/>
               <a:t>Finalizing our reward function</a:t>
             </a:r>
+            <a:endParaRPr lang="en-US" dirty="0"/>
           </a:p>
         </p:txBody>
       </p:sp>
@@ -4626,6 +5345,14 @@
 <file path=ppt/slides/slide7.xml><?xml version="1.0" encoding="utf-8"?>
 <p:sld xmlns:a="http://schemas.openxmlformats.org/drawingml/2006/main" xmlns:r="http://schemas.openxmlformats.org/officeDocument/2006/relationships" xmlns:p="http://schemas.openxmlformats.org/presentationml/2006/main">
   <p:cSld>
+    <p:bg>
+      <p:bgPr>
+        <a:solidFill>
+          <a:schemeClr val="bg1"/>
+        </a:solidFill>
+        <a:effectLst/>
+      </p:bgPr>
+    </p:bg>
     <p:spTree>
       <p:nvGrpSpPr>
         <p:cNvPr id="1" name="">
@@ -4646,6 +5373,82 @@
           <a:chExt cx="0" cy="0"/>
         </a:xfrm>
       </p:grpSpPr>
+      <p:sp useBgFill="1">
+        <p:nvSpPr>
+          <p:cNvPr id="1041" name="Rectangle 1040">
+            <a:extLst>
+              <a:ext uri="{FF2B5EF4-FFF2-40B4-BE49-F238E27FC236}">
+                <a16:creationId xmlns:a16="http://schemas.microsoft.com/office/drawing/2014/main" id="{744CAA32-F237-419C-A2DD-43C28D920D3C}"/>
+              </a:ext>
+              <a:ext uri="{C183D7F6-B498-43B3-948B-1728B52AA6E4}">
+                <adec:decorative xmlns:adec="http://schemas.microsoft.com/office/drawing/2017/decorative" val="1"/>
+              </a:ext>
+            </a:extLst>
+          </p:cNvPr>
+          <p:cNvSpPr>
+            <a:spLocks noGrp="1" noRot="1" noChangeAspect="1" noMove="1" noResize="1" noEditPoints="1" noAdjustHandles="1" noChangeArrowheads="1" noChangeShapeType="1" noTextEdit="1"/>
+          </p:cNvSpPr>
+          <p:nvPr>
+            <p:extLst>
+              <p:ext uri="{386F3935-93C4-4BCD-93E2-E3B085C9AB24}">
+                <p16:designElem xmlns:p16="http://schemas.microsoft.com/office/powerpoint/2015/main" val="1"/>
+              </p:ext>
+            </p:extLst>
+          </p:nvPr>
+        </p:nvSpPr>
+        <p:spPr>
+          <a:xfrm>
+            <a:off x="0" y="0"/>
+            <a:ext cx="12192000" cy="6858000"/>
+          </a:xfrm>
+          <a:prstGeom prst="rect">
+            <a:avLst/>
+          </a:prstGeom>
+          <a:ln w="12700" cap="flat" cmpd="sng" algn="ctr">
+            <a:noFill/>
+            <a:prstDash val="solid"/>
+            <a:miter lim="800000"/>
+          </a:ln>
+          <a:effectLst/>
+          <a:extLst>
+            <a:ext uri="{91240B29-F687-4F45-9708-019B960494DF}">
+              <a14:hiddenLine xmlns:a14="http://schemas.microsoft.com/office/drawing/2010/main" w="12700" cap="flat" cmpd="sng" algn="ctr">
+                <a:solidFill>
+                  <a:schemeClr val="accent1">
+                    <a:shade val="50000"/>
+                  </a:schemeClr>
+                </a:solidFill>
+                <a:prstDash val="solid"/>
+                <a:miter lim="800000"/>
+              </a14:hiddenLine>
+            </a:ext>
+          </a:extLst>
+        </p:spPr>
+        <p:style>
+          <a:lnRef idx="2">
+            <a:schemeClr val="accent1">
+              <a:shade val="50000"/>
+            </a:schemeClr>
+          </a:lnRef>
+          <a:fillRef idx="1">
+            <a:schemeClr val="accent1"/>
+          </a:fillRef>
+          <a:effectRef idx="0">
+            <a:schemeClr val="accent1"/>
+          </a:effectRef>
+          <a:fontRef idx="minor">
+            <a:schemeClr val="lt1"/>
+          </a:fontRef>
+        </p:style>
+        <p:txBody>
+          <a:bodyPr rtlCol="0" anchor="ctr"/>
+          <a:lstStyle/>
+          <a:p>
+            <a:pPr algn="ctr"/>
+            <a:endParaRPr lang="en-US"/>
+          </a:p>
+        </p:txBody>
+      </p:sp>
       <p:sp>
         <p:nvSpPr>
           <p:cNvPr id="2" name="Title 1">
@@ -4662,13 +5465,25 @@
             <p:ph type="title"/>
           </p:nvPr>
         </p:nvSpPr>
-        <p:spPr/>
-        <p:txBody>
-          <a:bodyPr/>
-          <a:lstStyle/>
-          <a:p>
-            <a:r>
-              <a:rPr lang="en-US" dirty="0"/>
+        <p:spPr>
+          <a:xfrm>
+            <a:off x="640079" y="914400"/>
+            <a:ext cx="4261104" cy="1097280"/>
+          </a:xfrm>
+        </p:spPr>
+        <p:txBody>
+          <a:bodyPr anchor="t">
+            <a:normAutofit/>
+          </a:bodyPr>
+          <a:lstStyle/>
+          <a:p>
+            <a:pPr>
+              <a:lnSpc>
+                <a:spcPct val="90000"/>
+              </a:lnSpc>
+            </a:pPr>
+            <a:r>
+              <a:rPr lang="en-US" sz="3600"/>
               <a:t>Conclusions and Future Work</a:t>
             </a:r>
           </a:p>
@@ -4676,7 +5491,7 @@
       </p:sp>
       <p:sp>
         <p:nvSpPr>
-          <p:cNvPr id="3" name="Content Placeholder 2">
+          <p:cNvPr id="1040" name="Content Placeholder 2">
             <a:extLst>
               <a:ext uri="{FF2B5EF4-FFF2-40B4-BE49-F238E27FC236}">
                 <a16:creationId xmlns:a16="http://schemas.microsoft.com/office/drawing/2014/main" id="{2814E847-941C-B309-9785-BFCA82D55830}"/>
@@ -4690,42 +5505,180 @@
             <p:ph idx="1"/>
           </p:nvPr>
         </p:nvSpPr>
-        <p:spPr/>
-        <p:txBody>
-          <a:bodyPr/>
-          <a:lstStyle/>
-          <a:p>
-            <a:r>
-              <a:rPr lang="en-US" dirty="0"/>
-              <a:t>Successfully built an Auto Chess environment and a DQN agent that can interact with the environment</a:t>
-            </a:r>
-          </a:p>
-          <a:p>
-            <a:r>
-              <a:rPr lang="en-US" dirty="0"/>
+        <p:spPr>
+          <a:xfrm>
+            <a:off x="640079" y="2176036"/>
+            <a:ext cx="4261104" cy="4121887"/>
+          </a:xfrm>
+        </p:spPr>
+        <p:txBody>
+          <a:bodyPr>
+            <a:normAutofit/>
+          </a:bodyPr>
+          <a:lstStyle/>
+          <a:p>
+            <a:pPr>
+              <a:lnSpc>
+                <a:spcPct val="110000"/>
+              </a:lnSpc>
+            </a:pPr>
+            <a:r>
+              <a:rPr lang="en-US" sz="1500"/>
+              <a:t>Successfully built an Auto Chess environment</a:t>
+            </a:r>
+          </a:p>
+          <a:p>
+            <a:pPr>
+              <a:lnSpc>
+                <a:spcPct val="110000"/>
+              </a:lnSpc>
+            </a:pPr>
+            <a:r>
+              <a:rPr lang="en-US" sz="1500"/>
+              <a:t>Constructed a DQN agent that can interact with the environment and learn the basics</a:t>
+            </a:r>
+          </a:p>
+          <a:p>
+            <a:pPr>
+              <a:lnSpc>
+                <a:spcPct val="110000"/>
+              </a:lnSpc>
+            </a:pPr>
+            <a:r>
+              <a:rPr lang="en-US" sz="1500"/>
               <a:t>Future work</a:t>
             </a:r>
           </a:p>
           <a:p>
-            <a:pPr lvl="1"/>
-            <a:r>
-              <a:rPr lang="en-US" dirty="0"/>
-              <a:t>Could add a visual emulator to visually simulate the game</a:t>
-            </a:r>
-          </a:p>
-          <a:p>
-            <a:pPr lvl="1"/>
-            <a:r>
-              <a:rPr lang="en-US" dirty="0"/>
+            <a:pPr lvl="1">
+              <a:lnSpc>
+                <a:spcPct val="110000"/>
+              </a:lnSpc>
+            </a:pPr>
+            <a:r>
+              <a:rPr lang="en-US" sz="1500"/>
+              <a:t>Rework basic mechanics and improve the environment</a:t>
+            </a:r>
+          </a:p>
+          <a:p>
+            <a:pPr lvl="1">
+              <a:lnSpc>
+                <a:spcPct val="110000"/>
+              </a:lnSpc>
+            </a:pPr>
+            <a:r>
+              <a:rPr lang="en-US" sz="1500"/>
               <a:t>Increase game complexity to fully mirror the true Auto Chess game</a:t>
             </a:r>
           </a:p>
           <a:p>
-            <a:pPr lvl="1"/>
-            <a:endParaRPr lang="en-US" dirty="0"/>
-          </a:p>
-        </p:txBody>
-      </p:sp>
+            <a:pPr lvl="1">
+              <a:lnSpc>
+                <a:spcPct val="110000"/>
+              </a:lnSpc>
+            </a:pPr>
+            <a:r>
+              <a:rPr lang="en-US" sz="1500"/>
+              <a:t>Add visual emulator for easier understanding</a:t>
+            </a:r>
+          </a:p>
+        </p:txBody>
+      </p:sp>
+      <p:cxnSp>
+        <p:nvCxnSpPr>
+          <p:cNvPr id="1043" name="Straight Connector 1042">
+            <a:extLst>
+              <a:ext uri="{FF2B5EF4-FFF2-40B4-BE49-F238E27FC236}">
+                <a16:creationId xmlns:a16="http://schemas.microsoft.com/office/drawing/2014/main" id="{92025DBA-8780-9CA0-2826-FF6E3BD1A0C9}"/>
+              </a:ext>
+              <a:ext uri="{C183D7F6-B498-43B3-948B-1728B52AA6E4}">
+                <adec:decorative xmlns:adec="http://schemas.microsoft.com/office/drawing/2017/decorative" val="1"/>
+              </a:ext>
+            </a:extLst>
+          </p:cNvPr>
+          <p:cNvCxnSpPr>
+            <a:cxnSpLocks noGrp="1" noRot="1" noChangeAspect="1" noMove="1" noResize="1" noEditPoints="1" noAdjustHandles="1" noChangeArrowheads="1" noChangeShapeType="1"/>
+          </p:cNvCxnSpPr>
+          <p:nvPr>
+            <p:extLst>
+              <p:ext uri="{386F3935-93C4-4BCD-93E2-E3B085C9AB24}">
+                <p16:designElem xmlns:p16="http://schemas.microsoft.com/office/powerpoint/2015/main" val="1"/>
+              </p:ext>
+            </p:extLst>
+          </p:nvPr>
+        </p:nvCxnSpPr>
+        <p:spPr>
+          <a:xfrm flipV="1">
+            <a:off x="5672328" y="6267921"/>
+            <a:ext cx="6519672" cy="2"/>
+          </a:xfrm>
+          <a:prstGeom prst="line">
+            <a:avLst/>
+          </a:prstGeom>
+          <a:ln w="76200"/>
+        </p:spPr>
+        <p:style>
+          <a:lnRef idx="1">
+            <a:schemeClr val="accent1"/>
+          </a:lnRef>
+          <a:fillRef idx="0">
+            <a:schemeClr val="accent1"/>
+          </a:fillRef>
+          <a:effectRef idx="0">
+            <a:schemeClr val="accent1"/>
+          </a:effectRef>
+          <a:fontRef idx="minor">
+            <a:schemeClr val="tx1"/>
+          </a:fontRef>
+        </p:style>
+      </p:cxnSp>
+      <p:pic>
+        <p:nvPicPr>
+          <p:cNvPr id="1030" name="Picture 6">
+            <a:extLst>
+              <a:ext uri="{FF2B5EF4-FFF2-40B4-BE49-F238E27FC236}">
+                <a16:creationId xmlns:a16="http://schemas.microsoft.com/office/drawing/2014/main" id="{F30ECC8F-A1A7-29BA-69C2-67EB9A00F3BF}"/>
+              </a:ext>
+            </a:extLst>
+          </p:cNvPr>
+          <p:cNvPicPr>
+            <a:picLocks noChangeAspect="1" noChangeArrowheads="1"/>
+          </p:cNvPicPr>
+          <p:nvPr/>
+        </p:nvPicPr>
+        <p:blipFill>
+          <a:blip r:embed="rId2">
+            <a:extLst>
+              <a:ext uri="{28A0092B-C50C-407E-A947-70E740481C1C}">
+                <a14:useLocalDpi xmlns:a14="http://schemas.microsoft.com/office/drawing/2010/main" val="0"/>
+              </a:ext>
+            </a:extLst>
+          </a:blip>
+          <a:srcRect/>
+          <a:stretch>
+            <a:fillRect/>
+          </a:stretch>
+        </p:blipFill>
+        <p:spPr bwMode="auto">
+          <a:xfrm>
+            <a:off x="5672327" y="1622333"/>
+            <a:ext cx="6779469" cy="4519646"/>
+          </a:xfrm>
+          <a:prstGeom prst="rect">
+            <a:avLst/>
+          </a:prstGeom>
+          <a:noFill/>
+          <a:extLst>
+            <a:ext uri="{909E8E84-426E-40DD-AFC4-6F175D3DCCD1}">
+              <a14:hiddenFill xmlns:a14="http://schemas.microsoft.com/office/drawing/2010/main">
+                <a:solidFill>
+                  <a:srgbClr val="FFFFFF"/>
+                </a:solidFill>
+              </a14:hiddenFill>
+            </a:ext>
+          </a:extLst>
+        </p:spPr>
+      </p:pic>
     </p:spTree>
     <p:extLst>
       <p:ext uri="{BB962C8B-B14F-4D97-AF65-F5344CB8AC3E}">

--- a/Documents/FinalPresentation.pptx
+++ b/Documents/FinalPresentation.pptx
@@ -275,7 +275,7 @@
           <a:p>
             <a:fld id="{6444479B-705B-4489-957E-7E8A228BDFA0}" type="datetime1">
               <a:rPr lang="en-US" smtClean="0"/>
-              <a:t>4/29/2025</a:t>
+              <a:t>4/29/25</a:t>
             </a:fld>
             <a:endParaRPr lang="en-US"/>
           </a:p>
@@ -475,7 +475,7 @@
           <a:p>
             <a:fld id="{C07B66AD-7C08-490A-ADA4-B47E10FB2407}" type="datetime1">
               <a:rPr lang="en-US" smtClean="0"/>
-              <a:t>4/29/2025</a:t>
+              <a:t>4/29/25</a:t>
             </a:fld>
             <a:endParaRPr lang="en-US"/>
           </a:p>
@@ -734,7 +734,7 @@
           <a:p>
             <a:fld id="{05B95027-4255-49E7-9841-CD21BCC99996}" type="datetime1">
               <a:rPr lang="en-US" smtClean="0"/>
-              <a:t>4/29/2025</a:t>
+              <a:t>4/29/25</a:t>
             </a:fld>
             <a:endParaRPr lang="en-US"/>
           </a:p>
@@ -975,7 +975,7 @@
           <a:p>
             <a:fld id="{9F89F774-3FA6-43B8-9241-99959C8FD463}" type="datetime1">
               <a:rPr lang="en-US" smtClean="0"/>
-              <a:t>4/29/2025</a:t>
+              <a:t>4/29/25</a:t>
             </a:fld>
             <a:endParaRPr lang="en-US"/>
           </a:p>
@@ -1302,7 +1302,7 @@
           <a:p>
             <a:fld id="{F9504452-5DCC-4FE2-A5C9-8A5EF6714D65}" type="datetime1">
               <a:rPr lang="en-US" smtClean="0"/>
-              <a:t>4/29/2025</a:t>
+              <a:t>4/29/25</a:t>
             </a:fld>
             <a:endParaRPr lang="en-US"/>
           </a:p>
@@ -1612,7 +1612,7 @@
           <a:p>
             <a:fld id="{E579ABC2-0180-4F3A-A895-A85BC724D472}" type="datetime1">
               <a:rPr lang="en-US" smtClean="0"/>
-              <a:t>4/29/2025</a:t>
+              <a:t>4/29/25</a:t>
             </a:fld>
             <a:endParaRPr lang="en-US"/>
           </a:p>
@@ -2030,7 +2030,7 @@
           <a:p>
             <a:fld id="{6AEEA9BA-4E8F-439E-BEA4-91FBA01E3F5F}" type="datetime1">
               <a:rPr lang="en-US" smtClean="0"/>
-              <a:t>4/29/2025</a:t>
+              <a:t>4/29/25</a:t>
             </a:fld>
             <a:endParaRPr lang="en-US"/>
           </a:p>
@@ -2172,7 +2172,7 @@
           <a:p>
             <a:fld id="{BE15BF18-0007-481C-AA29-413124BC3EE7}" type="datetime1">
               <a:rPr lang="en-US" smtClean="0"/>
-              <a:t>4/29/2025</a:t>
+              <a:t>4/29/25</a:t>
             </a:fld>
             <a:endParaRPr lang="en-US"/>
           </a:p>
@@ -2334,7 +2334,7 @@
           <a:p>
             <a:fld id="{09BE9870-3748-43AD-B547-02A075CB4A1D}" type="datetime1">
               <a:rPr lang="en-US" smtClean="0"/>
-              <a:t>4/29/2025</a:t>
+              <a:t>4/29/25</a:t>
             </a:fld>
             <a:endParaRPr lang="en-US"/>
           </a:p>
@@ -2651,7 +2651,7 @@
           <a:p>
             <a:fld id="{558E7897-33C5-4F1A-9307-D068E37F3DC7}" type="datetime1">
               <a:rPr lang="en-US" smtClean="0"/>
-              <a:t>4/29/2025</a:t>
+              <a:t>4/29/25</a:t>
             </a:fld>
             <a:endParaRPr lang="en-US"/>
           </a:p>
@@ -2946,7 +2946,7 @@
           <a:p>
             <a:fld id="{82E171BA-CC09-47C8-A6DF-F5C5CB59CEEC}" type="datetime1">
               <a:rPr lang="en-US" smtClean="0"/>
-              <a:t>4/29/2025</a:t>
+              <a:t>4/29/25</a:t>
             </a:fld>
             <a:endParaRPr lang="en-US"/>
           </a:p>
@@ -3187,7 +3187,7 @@
           <a:p>
             <a:fld id="{7DA38F49-B3E2-4BF0-BEC7-C30D34ABBB8D}" type="datetime1">
               <a:rPr lang="en-US" smtClean="0"/>
-              <a:t>4/29/2025</a:t>
+              <a:t>4/29/25</a:t>
             </a:fld>
             <a:endParaRPr lang="en-US"/>
           </a:p>
@@ -5513,7 +5513,7 @@
         </p:spPr>
         <p:txBody>
           <a:bodyPr>
-            <a:normAutofit/>
+            <a:normAutofit lnSpcReduction="10000"/>
           </a:bodyPr>
           <a:lstStyle/>
           <a:p>
@@ -5523,7 +5523,7 @@
               </a:lnSpc>
             </a:pPr>
             <a:r>
-              <a:rPr lang="en-US" sz="1500"/>
+              <a:rPr lang="en-US" sz="1800" dirty="0"/>
               <a:t>Successfully built an Auto Chess environment</a:t>
             </a:r>
           </a:p>
@@ -5534,7 +5534,7 @@
               </a:lnSpc>
             </a:pPr>
             <a:r>
-              <a:rPr lang="en-US" sz="1500"/>
+              <a:rPr lang="en-US" sz="1800" dirty="0"/>
               <a:t>Constructed a DQN agent that can interact with the environment and learn the basics</a:t>
             </a:r>
           </a:p>
@@ -5545,7 +5545,7 @@
               </a:lnSpc>
             </a:pPr>
             <a:r>
-              <a:rPr lang="en-US" sz="1500"/>
+              <a:rPr lang="en-US" sz="1800" dirty="0"/>
               <a:t>Future work</a:t>
             </a:r>
           </a:p>
@@ -5556,7 +5556,7 @@
               </a:lnSpc>
             </a:pPr>
             <a:r>
-              <a:rPr lang="en-US" sz="1500"/>
+              <a:rPr lang="en-US" dirty="0"/>
               <a:t>Rework basic mechanics and improve the environment</a:t>
             </a:r>
           </a:p>
@@ -5567,7 +5567,7 @@
               </a:lnSpc>
             </a:pPr>
             <a:r>
-              <a:rPr lang="en-US" sz="1500"/>
+              <a:rPr lang="en-US" dirty="0"/>
               <a:t>Increase game complexity to fully mirror the true Auto Chess game</a:t>
             </a:r>
           </a:p>
@@ -5578,7 +5578,7 @@
               </a:lnSpc>
             </a:pPr>
             <a:r>
-              <a:rPr lang="en-US" sz="1500"/>
+              <a:rPr lang="en-US" dirty="0"/>
               <a:t>Add visual emulator for easier understanding</a:t>
             </a:r>
           </a:p>
@@ -5661,7 +5661,7 @@
         </p:blipFill>
         <p:spPr bwMode="auto">
           <a:xfrm>
-            <a:off x="5672327" y="1622333"/>
+            <a:off x="5156857" y="1463040"/>
             <a:ext cx="6779469" cy="4519646"/>
           </a:xfrm>
           <a:prstGeom prst="rect">
